--- a/01_FoundationProjects/CFL12_IR_Communication/CFL12_IR_Communication.pptx
+++ b/01_FoundationProjects/CFL12_IR_Communication/CFL12_IR_Communication.pptx
@@ -5588,6 +5588,42 @@
           </a:p>
         </p:txBody>
       </p:sp>
+      <p:pic>
+        <p:nvPicPr>
+          <p:cNvPr id="7" name="Picture 6">
+            <a:extLst>
+              <a:ext uri="{FF2B5EF4-FFF2-40B4-BE49-F238E27FC236}">
+                <a16:creationId xmlns:a16="http://schemas.microsoft.com/office/drawing/2014/main" id="{1674A47B-99BF-954C-BDD8-807AFA66AAB5}"/>
+              </a:ext>
+            </a:extLst>
+          </p:cNvPr>
+          <p:cNvPicPr>
+            <a:picLocks noChangeAspect="1"/>
+          </p:cNvPicPr>
+          <p:nvPr/>
+        </p:nvPicPr>
+        <p:blipFill>
+          <a:blip r:embed="rId4" cstate="print">
+            <a:extLst>
+              <a:ext uri="{28A0092B-C50C-407E-A947-70E740481C1C}">
+                <a14:useLocalDpi xmlns:a14="http://schemas.microsoft.com/office/drawing/2010/main" val="0"/>
+              </a:ext>
+            </a:extLst>
+          </a:blip>
+          <a:stretch>
+            <a:fillRect/>
+          </a:stretch>
+        </p:blipFill>
+        <p:spPr>
+          <a:xfrm>
+            <a:off x="9004852" y="1"/>
+            <a:ext cx="3125372" cy="842386"/>
+          </a:xfrm>
+          <a:prstGeom prst="rect">
+            <a:avLst/>
+          </a:prstGeom>
+        </p:spPr>
+      </p:pic>
     </p:spTree>
   </p:cSld>
   <p:clrMapOvr>
@@ -6513,6 +6549,42 @@
           </a:p>
         </p:txBody>
       </p:sp>
+      <p:pic>
+        <p:nvPicPr>
+          <p:cNvPr id="3" name="Picture 2">
+            <a:extLst>
+              <a:ext uri="{FF2B5EF4-FFF2-40B4-BE49-F238E27FC236}">
+                <a16:creationId xmlns:a16="http://schemas.microsoft.com/office/drawing/2014/main" id="{980513B8-3F59-F662-2238-848579C3682B}"/>
+              </a:ext>
+            </a:extLst>
+          </p:cNvPr>
+          <p:cNvPicPr>
+            <a:picLocks noChangeAspect="1"/>
+          </p:cNvPicPr>
+          <p:nvPr/>
+        </p:nvPicPr>
+        <p:blipFill>
+          <a:blip r:embed="rId4" cstate="print">
+            <a:extLst>
+              <a:ext uri="{28A0092B-C50C-407E-A947-70E740481C1C}">
+                <a14:useLocalDpi xmlns:a14="http://schemas.microsoft.com/office/drawing/2010/main" val="0"/>
+              </a:ext>
+            </a:extLst>
+          </a:blip>
+          <a:stretch>
+            <a:fillRect/>
+          </a:stretch>
+        </p:blipFill>
+        <p:spPr>
+          <a:xfrm>
+            <a:off x="9004852" y="1"/>
+            <a:ext cx="3125372" cy="842386"/>
+          </a:xfrm>
+          <a:prstGeom prst="rect">
+            <a:avLst/>
+          </a:prstGeom>
+        </p:spPr>
+      </p:pic>
     </p:spTree>
     <p:extLst>
       <p:ext uri="{BB962C8B-B14F-4D97-AF65-F5344CB8AC3E}">
@@ -6856,13 +6928,18 @@
         </p:nvSpPr>
         <p:spPr bwMode="auto">
           <a:xfrm>
-            <a:off x="907142" y="5647506"/>
-            <a:ext cx="3074549" cy="646331"/>
+            <a:off x="838200" y="5018974"/>
+            <a:ext cx="3074549" cy="1384995"/>
           </a:xfrm>
           <a:prstGeom prst="rect">
             <a:avLst/>
           </a:prstGeom>
           <a:noFill/>
+          <a:ln w="38100">
+            <a:solidFill>
+              <a:schemeClr val="accent1"/>
+            </a:solidFill>
+          </a:ln>
         </p:spPr>
         <p:txBody>
           <a:bodyPr wrap="square">
@@ -6968,7 +7045,7 @@
               <a:defRPr/>
             </a:pPr>
             <a:r>
-              <a:rPr lang="en-GB" b="1" dirty="0"/>
+              <a:rPr lang="en-GB" sz="1200" b="1" dirty="0"/>
               <a:t>Code for Lesson CFL12</a:t>
             </a:r>
           </a:p>
@@ -6977,9 +7054,27 @@
               <a:defRPr/>
             </a:pPr>
             <a:r>
-              <a:rPr lang="en-GB" b="1" dirty="0"/>
+              <a:rPr lang="en-GB" sz="1200" b="1" dirty="0"/>
               <a:t>(CFL12_IR_Remote_OLED.ino)</a:t>
             </a:r>
+          </a:p>
+          <a:p>
+            <a:pPr>
+              <a:defRPr/>
+            </a:pPr>
+            <a:r>
+              <a:rPr lang="en-GB" sz="1200" b="1" dirty="0">
+                <a:hlinkClick r:id="rId2"/>
+              </a:rPr>
+              <a:t>https://github.com/info-zas/zas-robotics-communications/blob/main/01_FoundationProjects/CFL12_IR_Communication/CFL12_IR_Remote_OLED/CFL12_IR_Remote_OLED.ino</a:t>
+            </a:r>
+            <a:endParaRPr lang="en-GB" sz="1200" b="1" dirty="0"/>
+          </a:p>
+          <a:p>
+            <a:pPr>
+              <a:defRPr/>
+            </a:pPr>
+            <a:endParaRPr lang="en-GB" sz="1200" b="1" dirty="0"/>
           </a:p>
         </p:txBody>
       </p:sp>
@@ -6998,7 +7093,7 @@
           <p:nvPr/>
         </p:nvPicPr>
         <p:blipFill>
-          <a:blip r:embed="rId2">
+          <a:blip r:embed="rId3">
             <a:extLst>
               <a:ext uri="{28A0092B-C50C-407E-A947-70E740481C1C}">
                 <a14:useLocalDpi xmlns:a14="http://schemas.microsoft.com/office/drawing/2010/main" val="0"/>
@@ -7012,7 +7107,43 @@
         <p:spPr>
           <a:xfrm>
             <a:off x="990601" y="1524000"/>
-            <a:ext cx="2907632" cy="4060993"/>
+            <a:ext cx="2470354" cy="3450261"/>
+          </a:xfrm>
+          <a:prstGeom prst="rect">
+            <a:avLst/>
+          </a:prstGeom>
+        </p:spPr>
+      </p:pic>
+      <p:pic>
+        <p:nvPicPr>
+          <p:cNvPr id="2" name="Picture 1">
+            <a:extLst>
+              <a:ext uri="{FF2B5EF4-FFF2-40B4-BE49-F238E27FC236}">
+                <a16:creationId xmlns:a16="http://schemas.microsoft.com/office/drawing/2014/main" id="{5F21FF84-B117-9C13-2A1C-15791DCC0308}"/>
+              </a:ext>
+            </a:extLst>
+          </p:cNvPr>
+          <p:cNvPicPr>
+            <a:picLocks noChangeAspect="1"/>
+          </p:cNvPicPr>
+          <p:nvPr/>
+        </p:nvPicPr>
+        <p:blipFill>
+          <a:blip r:embed="rId4" cstate="print">
+            <a:extLst>
+              <a:ext uri="{28A0092B-C50C-407E-A947-70E740481C1C}">
+                <a14:useLocalDpi xmlns:a14="http://schemas.microsoft.com/office/drawing/2010/main" val="0"/>
+              </a:ext>
+            </a:extLst>
+          </a:blip>
+          <a:stretch>
+            <a:fillRect/>
+          </a:stretch>
+        </p:blipFill>
+        <p:spPr>
+          <a:xfrm>
+            <a:off x="9004852" y="1"/>
+            <a:ext cx="3125372" cy="842386"/>
           </a:xfrm>
           <a:prstGeom prst="rect">
             <a:avLst/>
